--- a/Learning Phase/Week 2/Day 2/Slides/2. Understanding the Java Virtual - Machine Memory Management/2-java-understanding-solving-memory-problems-m2-slides.pptx
+++ b/Learning Phase/Week 2/Day 2/Slides/2. Understanding the Java Virtual - Machine Memory Management/2-java-understanding-solving-memory-problems-m2-slides.pptx
@@ -303,24 +303,7 @@
           </a:bodyPr>
           <a:lstStyle/>
           <a:p>
-            <a:r>
-              <a:t>Presenter</a:t>
-            </a:r>
-          </a:p>
-          <a:p>
-            <a:r>
-              <a:t>2017-03-24 15:22:33</a:t>
-            </a:r>
-          </a:p>
-          <a:p>
-            <a:r>
-              <a:t>--------------------------------------------</a:t>
-            </a:r>
-          </a:p>
-          <a:p>
-            <a:r>
-              <a:t>Hello and welcome to “Understanding  and Solving Memory Problems”  authored by Richard Warburton.  Normally when we think about  the best to write Java code  we’re often thinking about the  maintainability of the software –  for example does it follow OOP  best practices, is it well tested,  can you add features easily.  This course is a bit different,  and in many ways more exciting  than that. It talks about the kind  of problems that can happen to  well factored and tested code in  production. We’ll  be  categorising and explaining a  series of problems that are  related to memory and we’ll  demonstrate how you can use  freely available tooling and  battle-tested approaches to  solve these problems.</a:t>
-            </a:r>
+            <a:endParaRPr dirty="0"/>
           </a:p>
         </p:txBody>
       </p:sp>
@@ -1303,7 +1286,7 @@
           <a:p>
             <a:fld id="{41FE6A7A-5384-4062-B57F-FB40D2F5B55F}" type="datetime1">
               <a:rPr lang="en-US" smtClean="0"/>
-              <a:t>10/18/2023</a:t>
+              <a:t>10/20/2023</a:t>
             </a:fld>
             <a:endParaRPr lang="en-US"/>
           </a:p>
@@ -1480,7 +1463,7 @@
           <a:p>
             <a:fld id="{620E4667-D72D-4A15-810B-E64932F4FC00}" type="datetime1">
               <a:rPr lang="en-US" smtClean="0"/>
-              <a:t>10/18/2023</a:t>
+              <a:t>10/20/2023</a:t>
             </a:fld>
             <a:endParaRPr lang="en-US"/>
           </a:p>
@@ -1694,7 +1677,7 @@
           <a:p>
             <a:fld id="{FD00C418-18F4-42F8-B91C-1456D7A63C31}" type="datetime1">
               <a:rPr lang="en-US" smtClean="0"/>
-              <a:t>10/18/2023</a:t>
+              <a:t>10/20/2023</a:t>
             </a:fld>
             <a:endParaRPr lang="en-US"/>
           </a:p>
@@ -1872,7 +1855,7 @@
           <a:p>
             <a:fld id="{A7C830F4-ED6B-4D20-8F8D-B653A0F1639F}" type="datetime1">
               <a:rPr lang="en-US" smtClean="0"/>
-              <a:t>10/18/2023</a:t>
+              <a:t>10/20/2023</a:t>
             </a:fld>
             <a:endParaRPr lang="en-US"/>
           </a:p>
@@ -1991,7 +1974,7 @@
           <a:p>
             <a:fld id="{8419B92A-5131-4E84-ABEF-5280FC67302E}" type="datetime1">
               <a:rPr lang="en-US" smtClean="0"/>
-              <a:t>10/18/2023</a:t>
+              <a:t>10/20/2023</a:t>
             </a:fld>
             <a:endParaRPr lang="en-US"/>
           </a:p>
@@ -2216,7 +2199,7 @@
           <a:p>
             <a:fld id="{8F3FAE4B-5149-4FB5-A14E-354E44D85748}" type="datetime1">
               <a:rPr lang="en-US" smtClean="0"/>
-              <a:t>10/18/2023</a:t>
+              <a:t>10/20/2023</a:t>
             </a:fld>
             <a:endParaRPr lang="en-US"/>
           </a:p>
